--- a/dokumen/Slide seminar.pptx
+++ b/dokumen/Slide seminar.pptx
@@ -322,7 +322,7 @@
           <a:p>
             <a:fld id="{5DCD4004-B8B5-430E-A6A1-F83CDF558C83}" type="datetimeFigureOut">
               <a:rPr lang="en-US" smtClean="0"/>
-              <a:t>4/10/2015</a:t>
+              <a:t>5/5/2015</a:t>
             </a:fld>
             <a:endParaRPr lang="en-US"/>
           </a:p>
@@ -492,7 +492,7 @@
           <a:p>
             <a:fld id="{5DCD4004-B8B5-430E-A6A1-F83CDF558C83}" type="datetimeFigureOut">
               <a:rPr lang="en-US" smtClean="0"/>
-              <a:t>4/10/2015</a:t>
+              <a:t>5/5/2015</a:t>
             </a:fld>
             <a:endParaRPr lang="en-US"/>
           </a:p>
@@ -672,7 +672,7 @@
           <a:p>
             <a:fld id="{5DCD4004-B8B5-430E-A6A1-F83CDF558C83}" type="datetimeFigureOut">
               <a:rPr lang="en-US" smtClean="0"/>
-              <a:t>4/10/2015</a:t>
+              <a:t>5/5/2015</a:t>
             </a:fld>
             <a:endParaRPr lang="en-US"/>
           </a:p>
@@ -842,7 +842,7 @@
           <a:p>
             <a:fld id="{5DCD4004-B8B5-430E-A6A1-F83CDF558C83}" type="datetimeFigureOut">
               <a:rPr lang="en-US" smtClean="0"/>
-              <a:t>4/10/2015</a:t>
+              <a:t>5/5/2015</a:t>
             </a:fld>
             <a:endParaRPr lang="en-US"/>
           </a:p>
@@ -1088,7 +1088,7 @@
           <a:p>
             <a:fld id="{5DCD4004-B8B5-430E-A6A1-F83CDF558C83}" type="datetimeFigureOut">
               <a:rPr lang="en-US" smtClean="0"/>
-              <a:t>4/10/2015</a:t>
+              <a:t>5/5/2015</a:t>
             </a:fld>
             <a:endParaRPr lang="en-US"/>
           </a:p>
@@ -1376,7 +1376,7 @@
           <a:p>
             <a:fld id="{5DCD4004-B8B5-430E-A6A1-F83CDF558C83}" type="datetimeFigureOut">
               <a:rPr lang="en-US" smtClean="0"/>
-              <a:t>4/10/2015</a:t>
+              <a:t>5/5/2015</a:t>
             </a:fld>
             <a:endParaRPr lang="en-US"/>
           </a:p>
@@ -1798,7 +1798,7 @@
           <a:p>
             <a:fld id="{5DCD4004-B8B5-430E-A6A1-F83CDF558C83}" type="datetimeFigureOut">
               <a:rPr lang="en-US" smtClean="0"/>
-              <a:t>4/10/2015</a:t>
+              <a:t>5/5/2015</a:t>
             </a:fld>
             <a:endParaRPr lang="en-US"/>
           </a:p>
@@ -1916,7 +1916,7 @@
           <a:p>
             <a:fld id="{5DCD4004-B8B5-430E-A6A1-F83CDF558C83}" type="datetimeFigureOut">
               <a:rPr lang="en-US" smtClean="0"/>
-              <a:t>4/10/2015</a:t>
+              <a:t>5/5/2015</a:t>
             </a:fld>
             <a:endParaRPr lang="en-US"/>
           </a:p>
@@ -2011,7 +2011,7 @@
           <a:p>
             <a:fld id="{5DCD4004-B8B5-430E-A6A1-F83CDF558C83}" type="datetimeFigureOut">
               <a:rPr lang="en-US" smtClean="0"/>
-              <a:t>4/10/2015</a:t>
+              <a:t>5/5/2015</a:t>
             </a:fld>
             <a:endParaRPr lang="en-US"/>
           </a:p>
@@ -2288,7 +2288,7 @@
           <a:p>
             <a:fld id="{5DCD4004-B8B5-430E-A6A1-F83CDF558C83}" type="datetimeFigureOut">
               <a:rPr lang="en-US" smtClean="0"/>
-              <a:t>4/10/2015</a:t>
+              <a:t>5/5/2015</a:t>
             </a:fld>
             <a:endParaRPr lang="en-US"/>
           </a:p>
@@ -2541,7 +2541,7 @@
           <a:p>
             <a:fld id="{5DCD4004-B8B5-430E-A6A1-F83CDF558C83}" type="datetimeFigureOut">
               <a:rPr lang="en-US" smtClean="0"/>
-              <a:t>4/10/2015</a:t>
+              <a:t>5/5/2015</a:t>
             </a:fld>
             <a:endParaRPr lang="en-US"/>
           </a:p>
@@ -2754,7 +2754,7 @@
           <a:p>
             <a:fld id="{5DCD4004-B8B5-430E-A6A1-F83CDF558C83}" type="datetimeFigureOut">
               <a:rPr lang="en-US" smtClean="0"/>
-              <a:t>4/10/2015</a:t>
+              <a:t>5/5/2015</a:t>
             </a:fld>
             <a:endParaRPr lang="en-US"/>
           </a:p>
@@ -8286,6 +8286,60 @@
       </p:grpSpPr>
       <p:sp>
         <p:nvSpPr>
+          <p:cNvPr id="19" name="TextBox 18"/>
+          <p:cNvSpPr txBox="1"/>
+          <p:nvPr/>
+        </p:nvSpPr>
+        <p:spPr>
+          <a:xfrm>
+            <a:off x="3276599" y="1371600"/>
+            <a:ext cx="5562601" cy="477054"/>
+          </a:xfrm>
+          <a:prstGeom prst="rect">
+            <a:avLst/>
+          </a:prstGeom>
+          <a:noFill/>
+        </p:spPr>
+        <p:txBody>
+          <a:bodyPr wrap="square" rtlCol="0">
+            <a:spAutoFit/>
+          </a:bodyPr>
+          <a:lstStyle/>
+          <a:p>
+            <a:pPr algn="r"/>
+            <a:r>
+              <a:rPr lang="en-US" sz="2500" dirty="0" err="1" smtClean="0">
+                <a:latin typeface="Roboto Light" panose="02000000000000000000" pitchFamily="2" charset="0"/>
+                <a:ea typeface="Roboto Light" panose="02000000000000000000" pitchFamily="2" charset="0"/>
+              </a:rPr>
+              <a:t>Rancangan</a:t>
+            </a:r>
+            <a:r>
+              <a:rPr lang="en-US" sz="2500" dirty="0" smtClean="0">
+                <a:latin typeface="Roboto Light" panose="02000000000000000000" pitchFamily="2" charset="0"/>
+                <a:ea typeface="Roboto Light" panose="02000000000000000000" pitchFamily="2" charset="0"/>
+              </a:rPr>
+              <a:t> </a:t>
+            </a:r>
+            <a:r>
+              <a:rPr lang="en-US" sz="2500" dirty="0" err="1" smtClean="0">
+                <a:latin typeface="Roboto Light" panose="02000000000000000000" pitchFamily="2" charset="0"/>
+                <a:ea typeface="Roboto Light" panose="02000000000000000000" pitchFamily="2" charset="0"/>
+              </a:rPr>
+              <a:t>Tampilan</a:t>
+            </a:r>
+            <a:r>
+              <a:rPr lang="en-US" sz="2500" dirty="0" smtClean="0">
+                <a:latin typeface="Roboto Light" panose="02000000000000000000" pitchFamily="2" charset="0"/>
+                <a:ea typeface="Roboto Light" panose="02000000000000000000" pitchFamily="2" charset="0"/>
+              </a:rPr>
+              <a:t> Dashboard</a:t>
+            </a:r>
+          </a:p>
+        </p:txBody>
+      </p:sp>
+      <p:sp>
+        <p:nvSpPr>
           <p:cNvPr id="2" name="Title 1"/>
           <p:cNvSpPr>
             <a:spLocks noGrp="1"/>
@@ -8466,8 +8520,8 @@
         </p:nvSpPr>
         <p:spPr>
           <a:xfrm>
-            <a:off x="381000" y="1981200"/>
-            <a:ext cx="8382000" cy="5029200"/>
+            <a:off x="381000" y="1676400"/>
+            <a:ext cx="8382000" cy="5334000"/>
           </a:xfrm>
           <a:prstGeom prst="rect">
             <a:avLst/>
@@ -9144,14 +9198,14 @@
       </p:sp>
       <p:sp>
         <p:nvSpPr>
-          <p:cNvPr id="19" name="TextBox 18"/>
+          <p:cNvPr id="20" name="TextBox 19"/>
           <p:cNvSpPr txBox="1"/>
           <p:nvPr/>
         </p:nvSpPr>
         <p:spPr>
           <a:xfrm>
-            <a:off x="3276599" y="1371600"/>
-            <a:ext cx="5562601" cy="477054"/>
+            <a:off x="2971800" y="1828800"/>
+            <a:ext cx="3215945" cy="369332"/>
           </a:xfrm>
           <a:prstGeom prst="rect">
             <a:avLst/>
@@ -9159,40 +9213,29 @@
           <a:noFill/>
         </p:spPr>
         <p:txBody>
-          <a:bodyPr wrap="square" rtlCol="0">
+          <a:bodyPr wrap="none" rtlCol="0">
             <a:spAutoFit/>
           </a:bodyPr>
           <a:lstStyle/>
           <a:p>
-            <a:pPr algn="r"/>
-            <a:r>
-              <a:rPr lang="en-US" sz="2500" dirty="0" err="1" smtClean="0">
-                <a:latin typeface="Roboto Light" panose="02000000000000000000" pitchFamily="2" charset="0"/>
-                <a:ea typeface="Roboto Light" panose="02000000000000000000" pitchFamily="2" charset="0"/>
-              </a:rPr>
-              <a:t>Rancangan</a:t>
-            </a:r>
-            <a:r>
-              <a:rPr lang="en-US" sz="2500" dirty="0" smtClean="0">
-                <a:latin typeface="Roboto Light" panose="02000000000000000000" pitchFamily="2" charset="0"/>
-                <a:ea typeface="Roboto Light" panose="02000000000000000000" pitchFamily="2" charset="0"/>
-              </a:rPr>
-              <a:t> </a:t>
-            </a:r>
-            <a:r>
-              <a:rPr lang="en-US" sz="2500" dirty="0" err="1" smtClean="0">
-                <a:latin typeface="Roboto Light" panose="02000000000000000000" pitchFamily="2" charset="0"/>
-                <a:ea typeface="Roboto Light" panose="02000000000000000000" pitchFamily="2" charset="0"/>
-              </a:rPr>
-              <a:t>Tampilan</a:t>
-            </a:r>
-            <a:r>
-              <a:rPr lang="en-US" sz="2500" dirty="0" smtClean="0">
-                <a:latin typeface="Roboto Light" panose="02000000000000000000" pitchFamily="2" charset="0"/>
-                <a:ea typeface="Roboto Light" panose="02000000000000000000" pitchFamily="2" charset="0"/>
-              </a:rPr>
-              <a:t> Dashboard</a:t>
-            </a:r>
+            <a:pPr algn="ctr"/>
+            <a:r>
+              <a:rPr lang="en-US" dirty="0" smtClean="0">
+                <a:solidFill>
+                  <a:schemeClr val="bg1"/>
+                </a:solidFill>
+                <a:latin typeface="Roboto Light" panose="02000000000000000000" pitchFamily="2" charset="0"/>
+                <a:ea typeface="Roboto Light" panose="02000000000000000000" pitchFamily="2" charset="0"/>
+              </a:rPr>
+              <a:t>DASHBOARD PT JAYA MOBIL</a:t>
+            </a:r>
+            <a:endParaRPr lang="en-US" dirty="0">
+              <a:solidFill>
+                <a:schemeClr val="bg1"/>
+              </a:solidFill>
+              <a:latin typeface="Roboto Light" panose="02000000000000000000" pitchFamily="2" charset="0"/>
+              <a:ea typeface="Roboto Light" panose="02000000000000000000" pitchFamily="2" charset="0"/>
+            </a:endParaRPr>
           </a:p>
         </p:txBody>
       </p:sp>
@@ -13383,16 +13426,7 @@
                 <a:cs typeface="Raavi" panose="020B0502040204020203" pitchFamily="34" charset="0"/>
                 <a:hlinkClick r:id="rId14" action="ppaction://hlinksldjump"/>
               </a:rPr>
-              <a:t> text </a:t>
-            </a:r>
-            <a:r>
-              <a:rPr lang="en-US" sz="2500" dirty="0" smtClean="0">
-                <a:latin typeface="Roboto Light" panose="02000000000000000000" pitchFamily="2" charset="0"/>
-                <a:ea typeface="Roboto Light" panose="02000000000000000000" pitchFamily="2" charset="0"/>
-                <a:cs typeface="Raavi" panose="020B0502040204020203" pitchFamily="34" charset="0"/>
-                <a:hlinkClick r:id="rId14" action="ppaction://hlinksldjump"/>
-              </a:rPr>
-              <a:t>analysis</a:t>
+              <a:t> text analysis</a:t>
             </a:r>
             <a:endParaRPr lang="en-US" sz="2500" dirty="0" smtClean="0">
               <a:latin typeface="Roboto Light" panose="02000000000000000000" pitchFamily="2" charset="0"/>
